--- a/idea/BOB_template.pptx
+++ b/idea/BOB_template.pptx
@@ -272,8 +272,11 @@
     </a:lvl9pPr>
   </p:defaultTextStyle>
   <p:extLst>
+    <p:ext uri="{EFAFB233-063F-42B5-8137-9DF3F51BA10A}">
+      <p15:sldGuideLst xmlns:p15="http://schemas.microsoft.com/office/powerpoint/2012/main"/>
+    </p:ext>
     <p:ext uri="http://customooxmlschemas.google.com/">
-      <go:slidesCustomData xmlns:go="http://customooxmlschemas.google.com/" xmlns:ahyp="http://schemas.microsoft.com/office/drawing/2018/hyperlinkcolor" xmlns:p15="http://schemas.microsoft.com/office/powerpoint/2012/main" xmlns:p14="http://schemas.microsoft.com/office/powerpoint/2010/main" xmlns:com="http://schemas.openxmlformats.org/drawingml/2006/compatibility" xmlns:pvml="urn:schemas-microsoft-com:office:powerpoint" xmlns:v="urn:schemas-microsoft-com:vml" xmlns:o="urn:schemas-microsoft-com:office:office" xmlns:dgm="http://schemas.openxmlformats.org/drawingml/2006/diagram" xmlns:c="http://schemas.openxmlformats.org/drawingml/2006/chart" xmlns:mv="urn:schemas-microsoft-com:mac:vml" xmlns:mc="http://schemas.openxmlformats.org/markup-compatibility/2006" xmlns="" r:id="rId23" roundtripDataSignature="AMtx7mg4ID0MW+58A5oAZz0iuzSAYbU9/A=="/>
+      <go:slidesCustomData xmlns="" xmlns:mc="http://schemas.openxmlformats.org/markup-compatibility/2006" xmlns:mv="urn:schemas-microsoft-com:mac:vml" xmlns:c="http://schemas.openxmlformats.org/drawingml/2006/chart" xmlns:dgm="http://schemas.openxmlformats.org/drawingml/2006/diagram" xmlns:o="urn:schemas-microsoft-com:office:office" xmlns:v="urn:schemas-microsoft-com:vml" xmlns:pvml="urn:schemas-microsoft-com:office:powerpoint" xmlns:com="http://schemas.openxmlformats.org/drawingml/2006/compatibility" xmlns:p14="http://schemas.microsoft.com/office/powerpoint/2010/main" xmlns:p15="http://schemas.microsoft.com/office/powerpoint/2012/main" xmlns:ahyp="http://schemas.microsoft.com/office/drawing/2018/hyperlinkcolor" xmlns:go="http://customooxmlschemas.google.com/" r:id="rId23" roundtripDataSignature="AMtx7mg4ID0MW+58A5oAZz0iuzSAYbU9/A=="/>
     </p:ext>
   </p:extLst>
 </p:presentation>
@@ -36770,10 +36773,101 @@
               <a:buNone/>
             </a:pPr>
             <a:r>
-              <a:rPr lang="en" sz="1500"/>
+              <a:rPr lang="en" sz="1500" dirty="0"/>
               <a:t>Team member names</a:t>
             </a:r>
-            <a:endParaRPr sz="1500"/>
+          </a:p>
+          <a:p>
+            <a:pPr marL="0" lvl="0" algn="l" rtl="0">
+              <a:lnSpc>
+                <a:spcPct val="100000"/>
+              </a:lnSpc>
+              <a:spcBef>
+                <a:spcPts val="0"/>
+              </a:spcBef>
+              <a:spcAft>
+                <a:spcPts val="200"/>
+              </a:spcAft>
+              <a:buClr>
+                <a:schemeClr val="accent6"/>
+              </a:buClr>
+              <a:buSzPts val="1800"/>
+              <a:buFont typeface="+mj-lt"/>
+              <a:buAutoNum type="alphaLcParenR"/>
+            </a:pPr>
+            <a:r>
+              <a:rPr lang="en" sz="1500" dirty="0"/>
+              <a:t>Rithuraj Nambiar</a:t>
+            </a:r>
+          </a:p>
+          <a:p>
+            <a:pPr marL="0" lvl="0" algn="l" rtl="0">
+              <a:lnSpc>
+                <a:spcPct val="100000"/>
+              </a:lnSpc>
+              <a:spcBef>
+                <a:spcPts val="0"/>
+              </a:spcBef>
+              <a:spcAft>
+                <a:spcPts val="200"/>
+              </a:spcAft>
+              <a:buClr>
+                <a:schemeClr val="accent6"/>
+              </a:buClr>
+              <a:buSzPts val="1800"/>
+              <a:buFont typeface="+mj-lt"/>
+              <a:buAutoNum type="alphaLcParenR"/>
+            </a:pPr>
+            <a:r>
+              <a:rPr lang="en" sz="1500" dirty="0"/>
+              <a:t>Saksham Gupta</a:t>
+            </a:r>
+          </a:p>
+          <a:p>
+            <a:pPr marL="0" lvl="0" algn="l" rtl="0">
+              <a:lnSpc>
+                <a:spcPct val="100000"/>
+              </a:lnSpc>
+              <a:spcBef>
+                <a:spcPts val="0"/>
+              </a:spcBef>
+              <a:spcAft>
+                <a:spcPts val="200"/>
+              </a:spcAft>
+              <a:buClr>
+                <a:schemeClr val="accent6"/>
+              </a:buClr>
+              <a:buSzPts val="1800"/>
+              <a:buFont typeface="+mj-lt"/>
+              <a:buAutoNum type="alphaLcParenR"/>
+            </a:pPr>
+            <a:r>
+              <a:rPr lang="en" sz="1500" dirty="0"/>
+              <a:t>Garima Khare</a:t>
+            </a:r>
+          </a:p>
+          <a:p>
+            <a:pPr marL="0" lvl="0" algn="l" rtl="0">
+              <a:lnSpc>
+                <a:spcPct val="100000"/>
+              </a:lnSpc>
+              <a:spcBef>
+                <a:spcPts val="0"/>
+              </a:spcBef>
+              <a:spcAft>
+                <a:spcPts val="200"/>
+              </a:spcAft>
+              <a:buClr>
+                <a:schemeClr val="accent6"/>
+              </a:buClr>
+              <a:buSzPts val="1800"/>
+              <a:buFont typeface="+mj-lt"/>
+              <a:buAutoNum type="alphaLcParenR"/>
+            </a:pPr>
+            <a:r>
+              <a:rPr lang="en" sz="1500" dirty="0"/>
+              <a:t>Diksha BHambri</a:t>
+            </a:r>
           </a:p>
         </p:txBody>
       </p:sp>
